--- a/Hydraulic drawing/Crane_booms_with_names.pptx
+++ b/Hydraulic drawing/Crane_booms_with_names.pptx
@@ -108,6 +108,11 @@
       </a:defRPr>
     </a:lvl9pPr>
   </p:defaultTextStyle>
+  <p:extLst>
+    <p:ext uri="{EFAFB233-063F-42B5-8137-9DF3F51BA10A}">
+      <p15:sldGuideLst xmlns:p15="http://schemas.microsoft.com/office/powerpoint/2012/main"/>
+    </p:ext>
+  </p:extLst>
 </p:presentation>
 </file>
 
@@ -4799,24 +4804,22 @@
       </p:grpSpPr>
       <p:grpSp>
         <p:nvGrpSpPr>
-          <p:cNvPr id="68" name="Group 67">
-            <a:extLst>
-              <a:ext uri="{FF2B5EF4-FFF2-40B4-BE49-F238E27FC236}">
-                <a16:creationId xmlns:a16="http://schemas.microsoft.com/office/drawing/2014/main" id="{334FF438-31DA-4630-B636-723E953472D5}"/>
-              </a:ext>
-            </a:extLst>
-          </p:cNvPr>
-          <p:cNvGrpSpPr>
-            <a:grpSpLocks noChangeAspect="1"/>
-          </p:cNvGrpSpPr>
+          <p:cNvPr id="12" name="Group 11">
+            <a:extLst>
+              <a:ext uri="{FF2B5EF4-FFF2-40B4-BE49-F238E27FC236}">
+                <a16:creationId xmlns:a16="http://schemas.microsoft.com/office/drawing/2014/main" id="{5766775B-83AF-460F-AED5-6AC9E95BDA74}"/>
+              </a:ext>
+            </a:extLst>
+          </p:cNvPr>
+          <p:cNvGrpSpPr/>
           <p:nvPr/>
         </p:nvGrpSpPr>
         <p:grpSpPr>
           <a:xfrm rot="5400000">
-            <a:off x="3792756" y="-685800"/>
-            <a:ext cx="4606489" cy="8229600"/>
-            <a:chOff x="4522648" y="417086"/>
-            <a:chExt cx="3207489" cy="6010275"/>
+            <a:off x="3852115" y="-685800"/>
+            <a:ext cx="4487770" cy="8229600"/>
+            <a:chOff x="3911476" y="-685800"/>
+            <a:chExt cx="4487770" cy="8229600"/>
           </a:xfrm>
         </p:grpSpPr>
         <p:pic>
@@ -4847,8 +4850,8 @@
           </p:blipFill>
           <p:spPr>
             <a:xfrm>
-              <a:off x="4605312" y="417086"/>
-              <a:ext cx="3124825" cy="6010275"/>
+              <a:off x="3911476" y="-685800"/>
+              <a:ext cx="4487770" cy="8229600"/>
             </a:xfrm>
             <a:prstGeom prst="rect">
               <a:avLst/>
@@ -4857,10 +4860,10 @@
         </p:pic>
         <p:grpSp>
           <p:nvGrpSpPr>
-            <p:cNvPr id="28" name="Group 27">
+            <p:cNvPr id="24" name="Group 23">
               <a:extLst>
                 <a:ext uri="{FF2B5EF4-FFF2-40B4-BE49-F238E27FC236}">
-                  <a16:creationId xmlns:a16="http://schemas.microsoft.com/office/drawing/2014/main" id="{E7301DEB-F773-4A8D-A872-A8085EF275DC}"/>
+                  <a16:creationId xmlns:a16="http://schemas.microsoft.com/office/drawing/2014/main" id="{6345064E-3625-49C8-9097-1F68698E23A5}"/>
                 </a:ext>
               </a:extLst>
             </p:cNvPr>
@@ -4869,18 +4872,18 @@
           </p:nvGrpSpPr>
           <p:grpSpPr>
             <a:xfrm>
-              <a:off x="5906168" y="601695"/>
-              <a:ext cx="704160" cy="289773"/>
-              <a:chOff x="5697391" y="262424"/>
-              <a:chExt cx="704160" cy="289773"/>
+              <a:off x="7362723" y="4619465"/>
+              <a:ext cx="787271" cy="289773"/>
+              <a:chOff x="5614280" y="262424"/>
+              <a:chExt cx="787271" cy="289773"/>
             </a:xfrm>
           </p:grpSpPr>
           <p:grpSp>
             <p:nvGrpSpPr>
-              <p:cNvPr id="17" name="Group 16">
+              <p:cNvPr id="25" name="Group 24">
                 <a:extLst>
                   <a:ext uri="{FF2B5EF4-FFF2-40B4-BE49-F238E27FC236}">
-                    <a16:creationId xmlns:a16="http://schemas.microsoft.com/office/drawing/2014/main" id="{7C5B94F2-C61C-48AC-B57A-3C600D45913B}"/>
+                    <a16:creationId xmlns:a16="http://schemas.microsoft.com/office/drawing/2014/main" id="{40D5D5B8-6468-4959-A26F-7995F16619FD}"/>
                   </a:ext>
                 </a:extLst>
               </p:cNvPr>
@@ -4897,10 +4900,10 @@
             </p:grpSpPr>
             <p:sp>
               <p:nvSpPr>
-                <p:cNvPr id="9" name="Oval 8">
+                <p:cNvPr id="27" name="Oval 26">
                   <a:extLst>
                     <a:ext uri="{FF2B5EF4-FFF2-40B4-BE49-F238E27FC236}">
-                      <a16:creationId xmlns:a16="http://schemas.microsoft.com/office/drawing/2014/main" id="{50AEBB74-4163-4BDE-A7DE-C58C3CBA470C}"/>
+                      <a16:creationId xmlns:a16="http://schemas.microsoft.com/office/drawing/2014/main" id="{D0BDEC56-F271-4A5B-9F0D-228AFFBC27CB}"/>
                     </a:ext>
                   </a:extLst>
                 </p:cNvPr>
@@ -4951,10 +4954,10 @@
             </p:sp>
             <p:sp>
               <p:nvSpPr>
-                <p:cNvPr id="8" name="TextBox 7">
+                <p:cNvPr id="29" name="TextBox 28">
                   <a:extLst>
                     <a:ext uri="{FF2B5EF4-FFF2-40B4-BE49-F238E27FC236}">
-                      <a16:creationId xmlns:a16="http://schemas.microsoft.com/office/drawing/2014/main" id="{774A9B31-0BB1-4D4C-B514-D9B4DB63F328}"/>
+                      <a16:creationId xmlns:a16="http://schemas.microsoft.com/office/drawing/2014/main" id="{70FA7DE9-95A5-4BBA-A3CE-A041169E894D}"/>
                     </a:ext>
                   </a:extLst>
                 </p:cNvPr>
@@ -4984,7 +4987,7 @@
                       <a:ea typeface="Adobe Fan Heiti Std B" panose="020B0700000000000000" pitchFamily="34" charset="-128"/>
                       <a:cs typeface="Arial" panose="020B0604020202020204" pitchFamily="34" charset="0"/>
                     </a:rPr>
-                    <a:t>B</a:t>
+                    <a:t>J</a:t>
                   </a:r>
                 </a:p>
               </p:txBody>
@@ -4992,10 +4995,10 @@
           </p:grpSp>
           <p:cxnSp>
             <p:nvCxnSpPr>
-              <p:cNvPr id="19" name="Straight Arrow Connector 18">
+              <p:cNvPr id="26" name="Straight Arrow Connector 25">
                 <a:extLst>
                   <a:ext uri="{FF2B5EF4-FFF2-40B4-BE49-F238E27FC236}">
-                    <a16:creationId xmlns:a16="http://schemas.microsoft.com/office/drawing/2014/main" id="{10B896CF-8470-453C-B4FB-C2449C2E0708}"/>
+                    <a16:creationId xmlns:a16="http://schemas.microsoft.com/office/drawing/2014/main" id="{13D38254-A77B-475C-9D32-A42E8081C8E7}"/>
                   </a:ext>
                 </a:extLst>
               </p:cNvPr>
@@ -5006,8 +5009,8 @@
             </p:nvCxnSpPr>
             <p:spPr>
               <a:xfrm flipH="1">
-                <a:off x="5697391" y="407310"/>
-                <a:ext cx="306480" cy="38742"/>
+                <a:off x="5614280" y="413697"/>
+                <a:ext cx="389589" cy="0"/>
               </a:xfrm>
               <a:prstGeom prst="straightConnector1">
                 <a:avLst/>
@@ -5037,10 +5040,10 @@
         </p:grpSp>
         <p:grpSp>
           <p:nvGrpSpPr>
-            <p:cNvPr id="31" name="Group 30">
+            <p:cNvPr id="30" name="Group 29">
               <a:extLst>
                 <a:ext uri="{FF2B5EF4-FFF2-40B4-BE49-F238E27FC236}">
-                  <a16:creationId xmlns:a16="http://schemas.microsoft.com/office/drawing/2014/main" id="{54B930DA-6E34-455D-A67B-893797301F5D}"/>
+                  <a16:creationId xmlns:a16="http://schemas.microsoft.com/office/drawing/2014/main" id="{66278AE4-F09C-4942-B309-5FD9400417CF}"/>
                 </a:ext>
               </a:extLst>
             </p:cNvPr>
@@ -5049,18 +5052,18 @@
           </p:nvGrpSpPr>
           <p:grpSpPr>
             <a:xfrm>
-              <a:off x="4522648" y="601696"/>
-              <a:ext cx="645522" cy="354038"/>
+              <a:off x="4837940" y="5105078"/>
+              <a:ext cx="941781" cy="289773"/>
               <a:chOff x="5913354" y="262424"/>
-              <a:chExt cx="645522" cy="354038"/>
+              <a:chExt cx="941781" cy="289773"/>
             </a:xfrm>
           </p:grpSpPr>
           <p:grpSp>
             <p:nvGrpSpPr>
-              <p:cNvPr id="32" name="Group 31">
+              <p:cNvPr id="36" name="Group 35">
                 <a:extLst>
                   <a:ext uri="{FF2B5EF4-FFF2-40B4-BE49-F238E27FC236}">
-                    <a16:creationId xmlns:a16="http://schemas.microsoft.com/office/drawing/2014/main" id="{D2D4E754-5D88-4658-AFAE-6F0292880631}"/>
+                    <a16:creationId xmlns:a16="http://schemas.microsoft.com/office/drawing/2014/main" id="{705C0CB5-1B3E-4FDD-936D-B558A69E70C4}"/>
                   </a:ext>
                 </a:extLst>
               </p:cNvPr>
@@ -5077,10 +5080,10 @@
             </p:grpSpPr>
             <p:sp>
               <p:nvSpPr>
-                <p:cNvPr id="34" name="Oval 33">
+                <p:cNvPr id="38" name="Oval 37">
                   <a:extLst>
                     <a:ext uri="{FF2B5EF4-FFF2-40B4-BE49-F238E27FC236}">
-                      <a16:creationId xmlns:a16="http://schemas.microsoft.com/office/drawing/2014/main" id="{CA40DC36-66B7-48B0-AFC6-F02E256DC8C7}"/>
+                      <a16:creationId xmlns:a16="http://schemas.microsoft.com/office/drawing/2014/main" id="{F55CC7C0-BF6B-44D9-8CA7-529C14161774}"/>
                     </a:ext>
                   </a:extLst>
                 </p:cNvPr>
@@ -5131,10 +5134,10 @@
             </p:sp>
             <p:sp>
               <p:nvSpPr>
-                <p:cNvPr id="35" name="TextBox 34">
+                <p:cNvPr id="39" name="TextBox 38">
                   <a:extLst>
                     <a:ext uri="{FF2B5EF4-FFF2-40B4-BE49-F238E27FC236}">
-                      <a16:creationId xmlns:a16="http://schemas.microsoft.com/office/drawing/2014/main" id="{630F5964-0E49-4345-BF97-721276FD25E6}"/>
+                      <a16:creationId xmlns:a16="http://schemas.microsoft.com/office/drawing/2014/main" id="{A370D801-06F5-469A-86A8-F910BD594917}"/>
                     </a:ext>
                   </a:extLst>
                 </p:cNvPr>
@@ -5164,7 +5167,7 @@
                       <a:ea typeface="Adobe Fan Heiti Std B" panose="020B0700000000000000" pitchFamily="34" charset="-128"/>
                       <a:cs typeface="Arial" panose="020B0604020202020204" pitchFamily="34" charset="0"/>
                     </a:rPr>
-                    <a:t>D</a:t>
+                    <a:t>A</a:t>
                   </a:r>
                 </a:p>
               </p:txBody>
@@ -5172,10 +5175,10 @@
           </p:grpSp>
           <p:cxnSp>
             <p:nvCxnSpPr>
-              <p:cNvPr id="33" name="Straight Arrow Connector 32">
+              <p:cNvPr id="37" name="Straight Arrow Connector 36">
                 <a:extLst>
                   <a:ext uri="{FF2B5EF4-FFF2-40B4-BE49-F238E27FC236}">
-                    <a16:creationId xmlns:a16="http://schemas.microsoft.com/office/drawing/2014/main" id="{F9C1385F-2A74-41CF-88FB-B0A76E25768C}"/>
+                    <a16:creationId xmlns:a16="http://schemas.microsoft.com/office/drawing/2014/main" id="{737B7317-FC57-458C-B138-87818BB643C4}"/>
                   </a:ext>
                 </a:extLst>
               </p:cNvPr>
@@ -5186,8 +5189,8 @@
             </p:nvCxnSpPr>
             <p:spPr>
               <a:xfrm>
-                <a:off x="6255876" y="494979"/>
-                <a:ext cx="303000" cy="121483"/>
+                <a:off x="6311039" y="413697"/>
+                <a:ext cx="544096" cy="0"/>
               </a:xfrm>
               <a:prstGeom prst="straightConnector1">
                 <a:avLst/>
@@ -5217,10 +5220,10 @@
         </p:grpSp>
         <p:grpSp>
           <p:nvGrpSpPr>
-            <p:cNvPr id="42" name="Group 41">
+            <p:cNvPr id="40" name="Group 39">
               <a:extLst>
                 <a:ext uri="{FF2B5EF4-FFF2-40B4-BE49-F238E27FC236}">
-                  <a16:creationId xmlns:a16="http://schemas.microsoft.com/office/drawing/2014/main" id="{48F79898-8DAF-4382-9F4A-A1539FC0875A}"/>
+                  <a16:creationId xmlns:a16="http://schemas.microsoft.com/office/drawing/2014/main" id="{72B09B99-524C-420C-A881-A509D8FA31BB}"/>
                 </a:ext>
               </a:extLst>
             </p:cNvPr>
@@ -5229,18 +5232,18 @@
           </p:nvGrpSpPr>
           <p:grpSpPr>
             <a:xfrm>
-              <a:off x="6992158" y="4145313"/>
-              <a:ext cx="703819" cy="289773"/>
-              <a:chOff x="5697732" y="262424"/>
-              <a:chExt cx="703819" cy="289773"/>
+              <a:off x="5774127" y="-483501"/>
+              <a:ext cx="762468" cy="289773"/>
+              <a:chOff x="5639083" y="262424"/>
+              <a:chExt cx="762468" cy="289773"/>
             </a:xfrm>
           </p:grpSpPr>
           <p:grpSp>
             <p:nvGrpSpPr>
-              <p:cNvPr id="43" name="Group 42">
+              <p:cNvPr id="41" name="Group 40">
                 <a:extLst>
                   <a:ext uri="{FF2B5EF4-FFF2-40B4-BE49-F238E27FC236}">
-                    <a16:creationId xmlns:a16="http://schemas.microsoft.com/office/drawing/2014/main" id="{33264779-E60C-4176-B6B3-9C4FAB646069}"/>
+                    <a16:creationId xmlns:a16="http://schemas.microsoft.com/office/drawing/2014/main" id="{133D7F2C-CF5C-4AC9-BFE0-85AC170742C6}"/>
                   </a:ext>
                 </a:extLst>
               </p:cNvPr>
@@ -5257,10 +5260,10 @@
             </p:grpSpPr>
             <p:sp>
               <p:nvSpPr>
-                <p:cNvPr id="45" name="Oval 44">
+                <p:cNvPr id="48" name="Oval 47">
                   <a:extLst>
                     <a:ext uri="{FF2B5EF4-FFF2-40B4-BE49-F238E27FC236}">
-                      <a16:creationId xmlns:a16="http://schemas.microsoft.com/office/drawing/2014/main" id="{D45B1E1C-8C11-4DEF-844B-A87BE3BBDEF9}"/>
+                      <a16:creationId xmlns:a16="http://schemas.microsoft.com/office/drawing/2014/main" id="{F61B33A5-AE7C-47E8-866A-ECDB155B84B4}"/>
                     </a:ext>
                   </a:extLst>
                 </p:cNvPr>
@@ -5311,10 +5314,10 @@
             </p:sp>
             <p:sp>
               <p:nvSpPr>
-                <p:cNvPr id="46" name="TextBox 45">
+                <p:cNvPr id="49" name="TextBox 48">
                   <a:extLst>
                     <a:ext uri="{FF2B5EF4-FFF2-40B4-BE49-F238E27FC236}">
-                      <a16:creationId xmlns:a16="http://schemas.microsoft.com/office/drawing/2014/main" id="{2B174DF3-FC96-430C-9237-B7BDDBD20B6D}"/>
+                      <a16:creationId xmlns:a16="http://schemas.microsoft.com/office/drawing/2014/main" id="{1E71C9C1-615E-4745-811D-7996808D0B3E}"/>
                     </a:ext>
                   </a:extLst>
                 </p:cNvPr>
@@ -5344,7 +5347,7 @@
                       <a:ea typeface="Adobe Fan Heiti Std B" panose="020B0700000000000000" pitchFamily="34" charset="-128"/>
                       <a:cs typeface="Arial" panose="020B0604020202020204" pitchFamily="34" charset="0"/>
                     </a:rPr>
-                    <a:t>J</a:t>
+                    <a:t>B</a:t>
                   </a:r>
                 </a:p>
               </p:txBody>
@@ -5352,10 +5355,10 @@
           </p:grpSp>
           <p:cxnSp>
             <p:nvCxnSpPr>
-              <p:cNvPr id="44" name="Straight Arrow Connector 43">
+              <p:cNvPr id="47" name="Straight Arrow Connector 46">
                 <a:extLst>
                   <a:ext uri="{FF2B5EF4-FFF2-40B4-BE49-F238E27FC236}">
-                    <a16:creationId xmlns:a16="http://schemas.microsoft.com/office/drawing/2014/main" id="{07AC2F04-4252-42A5-8724-218894244272}"/>
+                    <a16:creationId xmlns:a16="http://schemas.microsoft.com/office/drawing/2014/main" id="{2132CC2A-6EEC-46B8-B0CA-8B9028930826}"/>
                   </a:ext>
                 </a:extLst>
               </p:cNvPr>
@@ -5366,8 +5369,8 @@
             </p:nvCxnSpPr>
             <p:spPr>
               <a:xfrm flipH="1">
-                <a:off x="5697732" y="407310"/>
-                <a:ext cx="306138" cy="67973"/>
+                <a:off x="5639083" y="413697"/>
+                <a:ext cx="364787" cy="138500"/>
               </a:xfrm>
               <a:prstGeom prst="straightConnector1">
                 <a:avLst/>
@@ -5397,10 +5400,10 @@
         </p:grpSp>
         <p:grpSp>
           <p:nvGrpSpPr>
-            <p:cNvPr id="52" name="Group 51">
+            <p:cNvPr id="50" name="Group 49">
               <a:extLst>
                 <a:ext uri="{FF2B5EF4-FFF2-40B4-BE49-F238E27FC236}">
-                  <a16:creationId xmlns:a16="http://schemas.microsoft.com/office/drawing/2014/main" id="{56C1F5D6-679D-40AE-81C7-C496162FA779}"/>
+                  <a16:creationId xmlns:a16="http://schemas.microsoft.com/office/drawing/2014/main" id="{3092F4DE-0B2A-4AA5-BABF-50A53EC00E6A}"/>
                 </a:ext>
               </a:extLst>
             </p:cNvPr>
@@ -5409,18 +5412,18 @@
           </p:nvGrpSpPr>
           <p:grpSpPr>
             <a:xfrm>
-              <a:off x="4930865" y="4606535"/>
-              <a:ext cx="881166" cy="289773"/>
+              <a:off x="4044112" y="-328518"/>
+              <a:ext cx="711348" cy="328518"/>
               <a:chOff x="5913354" y="262424"/>
-              <a:chExt cx="881166" cy="289773"/>
+              <a:chExt cx="711348" cy="328518"/>
             </a:xfrm>
           </p:grpSpPr>
           <p:grpSp>
             <p:nvGrpSpPr>
-              <p:cNvPr id="53" name="Group 52">
+              <p:cNvPr id="51" name="Group 50">
                 <a:extLst>
                   <a:ext uri="{FF2B5EF4-FFF2-40B4-BE49-F238E27FC236}">
-                    <a16:creationId xmlns:a16="http://schemas.microsoft.com/office/drawing/2014/main" id="{3D42C5A7-7365-401D-B284-E5BD542B4B74}"/>
+                    <a16:creationId xmlns:a16="http://schemas.microsoft.com/office/drawing/2014/main" id="{B1945DE0-DC89-444C-8F2C-5EA0DC73F22E}"/>
                   </a:ext>
                 </a:extLst>
               </p:cNvPr>
@@ -5437,10 +5440,10 @@
             </p:grpSpPr>
             <p:sp>
               <p:nvSpPr>
-                <p:cNvPr id="55" name="Oval 54">
+                <p:cNvPr id="58" name="Oval 57">
                   <a:extLst>
                     <a:ext uri="{FF2B5EF4-FFF2-40B4-BE49-F238E27FC236}">
-                      <a16:creationId xmlns:a16="http://schemas.microsoft.com/office/drawing/2014/main" id="{3DB73158-762C-445C-BEDB-79026E291EE1}"/>
+                      <a16:creationId xmlns:a16="http://schemas.microsoft.com/office/drawing/2014/main" id="{3421812E-EF82-471E-A1D5-45966A1B96EF}"/>
                     </a:ext>
                   </a:extLst>
                 </p:cNvPr>
@@ -5491,10 +5494,10 @@
             </p:sp>
             <p:sp>
               <p:nvSpPr>
-                <p:cNvPr id="56" name="TextBox 55">
+                <p:cNvPr id="59" name="TextBox 58">
                   <a:extLst>
                     <a:ext uri="{FF2B5EF4-FFF2-40B4-BE49-F238E27FC236}">
-                      <a16:creationId xmlns:a16="http://schemas.microsoft.com/office/drawing/2014/main" id="{579C21B0-6369-42BA-AF93-F776C61E4A2C}"/>
+                      <a16:creationId xmlns:a16="http://schemas.microsoft.com/office/drawing/2014/main" id="{09017764-5D35-46AD-9826-C8C4BC923540}"/>
                     </a:ext>
                   </a:extLst>
                 </p:cNvPr>
@@ -5524,7 +5527,7 @@
                       <a:ea typeface="Adobe Fan Heiti Std B" panose="020B0700000000000000" pitchFamily="34" charset="-128"/>
                       <a:cs typeface="Arial" panose="020B0604020202020204" pitchFamily="34" charset="0"/>
                     </a:rPr>
-                    <a:t>A</a:t>
+                    <a:t>D</a:t>
                   </a:r>
                 </a:p>
               </p:txBody>
@@ -5532,10 +5535,10 @@
           </p:grpSp>
           <p:cxnSp>
             <p:nvCxnSpPr>
-              <p:cNvPr id="54" name="Straight Arrow Connector 53">
+              <p:cNvPr id="57" name="Straight Arrow Connector 56">
                 <a:extLst>
                   <a:ext uri="{FF2B5EF4-FFF2-40B4-BE49-F238E27FC236}">
-                    <a16:creationId xmlns:a16="http://schemas.microsoft.com/office/drawing/2014/main" id="{F14D4E2C-2856-4079-833C-573F71D13E35}"/>
+                    <a16:creationId xmlns:a16="http://schemas.microsoft.com/office/drawing/2014/main" id="{BA674708-2043-444F-BD4F-1DB65CD7F5B5}"/>
                   </a:ext>
                 </a:extLst>
               </p:cNvPr>
@@ -5546,8 +5549,8 @@
             </p:nvCxnSpPr>
             <p:spPr>
               <a:xfrm>
-                <a:off x="6311038" y="407310"/>
-                <a:ext cx="483482" cy="6388"/>
+                <a:off x="6311039" y="413697"/>
+                <a:ext cx="313663" cy="177245"/>
               </a:xfrm>
               <a:prstGeom prst="straightConnector1">
                 <a:avLst/>
@@ -5656,7 +5659,7 @@
         </p:nvGrpSpPr>
         <p:grpSpPr>
           <a:xfrm>
-            <a:off x="6308839" y="5494472"/>
+            <a:off x="7579700" y="5432479"/>
             <a:ext cx="787271" cy="289773"/>
             <a:chOff x="5614280" y="262424"/>
             <a:chExt cx="787271" cy="289773"/>
